--- a/javabase1Jvm/src/main/java/com/javabase/jvm1runtime/runtimeDetail/2.JVM运行机制.pptx
+++ b/javabase1Jvm/src/main/java/com/javabase/jvm1runtime/runtimeDetail/2.JVM运行机制.pptx
@@ -172,6 +172,7 @@
         <p14:section name="默认节" id="{B424ACB5-0A06-441F-8B56-DDA57A47B377}">
           <p14:sldIdLst>
             <p14:sldId id="299"/>
+            <p14:sldId id="300"/>
             <p14:sldId id="301"/>
             <p14:sldId id="302"/>
             <p14:sldId id="303"/>
@@ -197,7 +198,6 @@
             <p14:sldId id="327"/>
             <p14:sldId id="324"/>
             <p14:sldId id="265"/>
-            <p14:sldId id="300"/>
           </p14:sldIdLst>
         </p14:section>
       </p14:sectionLst>
@@ -7644,50 +7644,202 @@
           <a:p>
             <a:pPr lvl="1"/>
             <a:r>
-              <a:rPr lang="zh-CN" altLang="en-US" dirty="0" smtClean="0"/>
+              <a:rPr lang="zh-CN" altLang="en-US" sz="1200" dirty="0" smtClean="0"/>
               <a:t>小对象（一般几十个</a:t>
             </a:r>
             <a:r>
-              <a:rPr lang="en-US" altLang="zh-CN" dirty="0" smtClean="0"/>
+              <a:rPr lang="en-US" altLang="zh-CN" sz="1200" dirty="0" smtClean="0"/>
               <a:t>bytes</a:t>
             </a:r>
             <a:r>
-              <a:rPr lang="zh-CN" altLang="en-US" dirty="0" smtClean="0"/>
+              <a:rPr lang="zh-CN" altLang="en-US" sz="1200" dirty="0" smtClean="0"/>
               <a:t>），在没有逃逸的情况下，可以直接分配在栈上</a:t>
             </a:r>
-            <a:endParaRPr lang="en-US" altLang="zh-CN" dirty="0" smtClean="0"/>
+            <a:endParaRPr lang="en-US" altLang="zh-CN" sz="1200" dirty="0" smtClean="0"/>
           </a:p>
           <a:p>
             <a:pPr lvl="1"/>
             <a:r>
-              <a:rPr lang="zh-CN" altLang="en-US" dirty="0"/>
+              <a:rPr lang="zh-CN" altLang="en-US" sz="1200" dirty="0"/>
               <a:t>直</a:t>
             </a:r>
             <a:r>
-              <a:rPr lang="zh-CN" altLang="en-US" dirty="0" smtClean="0"/>
+              <a:rPr lang="zh-CN" altLang="en-US" sz="1200" dirty="0" smtClean="0"/>
               <a:t>接分配在栈上，可以自动回收，减轻</a:t>
             </a:r>
             <a:r>
-              <a:rPr lang="en-US" altLang="zh-CN" dirty="0" smtClean="0"/>
+              <a:rPr lang="en-US" altLang="zh-CN" sz="1200" dirty="0" smtClean="0"/>
               <a:t>GC</a:t>
             </a:r>
             <a:r>
-              <a:rPr lang="zh-CN" altLang="en-US" dirty="0" smtClean="0"/>
+              <a:rPr lang="zh-CN" altLang="en-US" sz="1200" dirty="0" smtClean="0"/>
               <a:t>压力</a:t>
             </a:r>
-            <a:endParaRPr lang="en-US" altLang="zh-CN" dirty="0" smtClean="0"/>
+            <a:endParaRPr lang="en-US" altLang="zh-CN" sz="1200" dirty="0" smtClean="0"/>
           </a:p>
           <a:p>
             <a:pPr lvl="1"/>
             <a:r>
-              <a:rPr lang="zh-CN" altLang="en-US" dirty="0" smtClean="0"/>
+              <a:rPr lang="zh-CN" altLang="en-US" sz="1200" dirty="0" smtClean="0"/>
               <a:t>大对象或者逃逸对象无法栈上分配</a:t>
             </a:r>
-            <a:endParaRPr lang="en-US" altLang="zh-CN" dirty="0" smtClean="0"/>
-          </a:p>
-          <a:p>
-            <a:pPr lvl="1"/>
+            <a:endParaRPr lang="en-US" altLang="zh-CN" sz="1200" dirty="0" smtClean="0"/>
+          </a:p>
+          <a:p>
+            <a:pPr marL="544830" lvl="1" indent="0">
+              <a:buNone/>
+            </a:pPr>
+            <a:r>
+              <a:rPr lang="zh-CN" altLang="en-US" sz="1200" dirty="0"/>
+              <a:t>需要占用大量连续内存空间的jaa对象是大对象，比如很长的字符串和数组。</a:t>
+            </a:r>
+            <a:endParaRPr lang="zh-CN" altLang="en-US" sz="1200" dirty="0"/>
+          </a:p>
+          <a:p>
+            <a:pPr marL="544830" lvl="1" indent="0">
+              <a:buNone/>
+            </a:pPr>
+            <a:r>
+              <a:rPr lang="zh-CN" altLang="en-US" sz="1200" dirty="0"/>
+              <a:t>理解误区：</a:t>
+            </a:r>
+            <a:endParaRPr lang="zh-CN" altLang="en-US" sz="1200" dirty="0"/>
+          </a:p>
+          <a:p>
+            <a:pPr marL="544830" lvl="1" indent="0">
+              <a:buNone/>
+            </a:pPr>
+            <a:r>
+              <a:rPr lang="zh-CN" altLang="en-US" sz="1200" dirty="0"/>
+              <a:t>1.需要占用大量非连续空间的java对象不能称为大对象</a:t>
+            </a:r>
+            <a:endParaRPr lang="zh-CN" altLang="en-US" sz="1200" dirty="0"/>
+          </a:p>
+          <a:p>
+            <a:pPr marL="544830" lvl="1" indent="0">
+              <a:buNone/>
+            </a:pPr>
+            <a:r>
+              <a:rPr lang="zh-CN" altLang="en-US" sz="1200" dirty="0"/>
+              <a:t>2.一个对象有很多属性也不能成为大对象</a:t>
+            </a:r>
             <a:endParaRPr lang="zh-CN" altLang="en-US" dirty="0"/>
+          </a:p>
+          <a:p>
+            <a:pPr marL="544830" lvl="1" indent="0">
+              <a:buNone/>
+            </a:pPr>
+            <a:r>
+              <a:rPr lang="zh-CN" altLang="en-US" sz="1200" dirty="0"/>
+              <a:t>    方法逃逸(对象逃出当前方法)：</a:t>
+            </a:r>
+            <a:endParaRPr lang="zh-CN" altLang="en-US" sz="1200" dirty="0"/>
+          </a:p>
+          <a:p>
+            <a:pPr marL="544830" lvl="1" indent="0">
+              <a:buNone/>
+            </a:pPr>
+            <a:r>
+              <a:rPr lang="zh-CN" altLang="en-US" sz="1200" dirty="0"/>
+              <a:t>            当一个对象在方法里面被定义后，它可能被外部方法所引用，例如作为调用参数传递到其它方法中</a:t>
+            </a:r>
+            <a:endParaRPr lang="zh-CN" altLang="en-US" sz="1200" dirty="0"/>
+          </a:p>
+          <a:p>
+            <a:pPr marL="544830" lvl="1" indent="0">
+              <a:buNone/>
+            </a:pPr>
+            <a:r>
+              <a:rPr lang="zh-CN" altLang="en-US" sz="1200" dirty="0"/>
+              <a:t>    线程逃逸((对象逃出当前线程)：</a:t>
+            </a:r>
+            <a:endParaRPr lang="zh-CN" altLang="en-US" sz="1200" dirty="0"/>
+          </a:p>
+          <a:p>
+            <a:pPr marL="544830" lvl="1" indent="0">
+              <a:buNone/>
+            </a:pPr>
+            <a:r>
+              <a:rPr lang="zh-CN" altLang="en-US" sz="1200" dirty="0"/>
+              <a:t>            这个对象甚至可能被其它线程访问到，例如赋值给类变量或可以在其它线程中访问的实例变量</a:t>
+            </a:r>
+            <a:endParaRPr lang="zh-CN" altLang="en-US" sz="1200" dirty="0"/>
+          </a:p>
+          <a:p>
+            <a:pPr marL="544830" lvl="1" indent="0">
+              <a:buNone/>
+            </a:pPr>
+            <a:r>
+              <a:rPr lang="zh-CN" altLang="en-US" sz="1200" dirty="0"/>
+              <a:t>2. 同步消除 </a:t>
+            </a:r>
+            <a:endParaRPr lang="zh-CN" altLang="en-US" sz="1200" dirty="0"/>
+          </a:p>
+          <a:p>
+            <a:pPr marL="544830" lvl="1" indent="0">
+              <a:buNone/>
+            </a:pPr>
+            <a:r>
+              <a:rPr lang="zh-CN" altLang="en-US" sz="1200" dirty="0"/>
+              <a:t>线程同步本身比较耗时，如果确定一个变量不会逃逸出线程，无法被其它线程访问到，那这个变量的读写就不会存在竞争，对这个变量的同步措施 </a:t>
+            </a:r>
+            <a:endParaRPr lang="zh-CN" altLang="en-US" sz="1200" dirty="0"/>
+          </a:p>
+          <a:p>
+            <a:pPr marL="544830" lvl="1" indent="0">
+              <a:buNone/>
+            </a:pPr>
+            <a:r>
+              <a:rPr lang="zh-CN" altLang="en-US" sz="1200" dirty="0"/>
+              <a:t>可以清除。</a:t>
+            </a:r>
+            <a:endParaRPr lang="zh-CN" altLang="en-US" sz="1200" dirty="0"/>
+          </a:p>
+          <a:p>
+            <a:pPr marL="544830" lvl="1" indent="0">
+              <a:buNone/>
+            </a:pPr>
+            <a:r>
+              <a:rPr lang="zh-CN" altLang="en-US" sz="1200" dirty="0"/>
+              <a:t>4.3. 标量替换。</a:t>
+            </a:r>
+            <a:endParaRPr lang="zh-CN" altLang="en-US" sz="1200" dirty="0"/>
+          </a:p>
+          <a:p>
+            <a:pPr marL="544830" lvl="1" indent="0">
+              <a:buNone/>
+            </a:pPr>
+            <a:endParaRPr lang="zh-CN" altLang="en-US" sz="1200" dirty="0"/>
+          </a:p>
+          <a:p>
+            <a:pPr marL="544830" lvl="1" indent="0">
+              <a:buNone/>
+            </a:pPr>
+            <a:r>
+              <a:rPr lang="zh-CN" altLang="en-US" sz="1200" dirty="0"/>
+              <a:t>标量就是不可分割的量，java中基本数据类型，reference类型都是标量。相对的一个数据可以继续分解，它就是聚合量（aggregate）。</a:t>
+            </a:r>
+            <a:endParaRPr lang="zh-CN" altLang="en-US" sz="1200" dirty="0"/>
+          </a:p>
+          <a:p>
+            <a:pPr marL="544830" lvl="1" indent="0">
+              <a:buNone/>
+            </a:pPr>
+            <a:r>
+              <a:rPr lang="zh-CN" altLang="en-US" sz="1200" dirty="0"/>
+              <a:t>如果把一个对象拆散，将其成员变量恢复到基本类型来访问就叫做标量替换。</a:t>
+            </a:r>
+            <a:endParaRPr lang="zh-CN" altLang="en-US" sz="1200" dirty="0"/>
+          </a:p>
+          <a:p>
+            <a:pPr marL="544830" lvl="1" indent="0">
+              <a:buNone/>
+            </a:pPr>
+            <a:r>
+              <a:rPr lang="zh-CN" altLang="en-US" sz="1200" dirty="0"/>
+              <a:t>如果逃逸分析证明一个对象不会被外部访问，并且这个对象可以被拆散的话，那么程序真正执行的时候将可能不创建这个对象，而改为直接在&gt;栈上创建若干个成员变量。</a:t>
+            </a:r>
+            <a:endParaRPr lang="zh-CN" altLang="en-US" sz="1200" dirty="0"/>
           </a:p>
         </p:txBody>
       </p:sp>
@@ -10677,10 +10829,18 @@
           <a:p>
             <a:pPr algn="ctr"/>
             <a:r>
-              <a:rPr lang="en-US" altLang="zh-CN" dirty="0" smtClean="0"/>
-              <a:t>Java XXX</a:t>
-            </a:r>
-            <a:endParaRPr lang="en-US" altLang="zh-CN" dirty="0" smtClean="0"/>
+              <a:rPr lang="en-US" altLang="zh-CN" sz="1200" dirty="0" smtClean="0"/>
+              <a:t>Java  </a:t>
+            </a:r>
+            <a:r>
+              <a:rPr lang="zh-CN" altLang="en-US" sz="1200" dirty="0" smtClean="0"/>
+              <a:t>类名</a:t>
+            </a:r>
+            <a:r>
+              <a:rPr lang="en-US" altLang="zh-CN" sz="1200" dirty="0" smtClean="0"/>
+              <a:t>.class</a:t>
+            </a:r>
+            <a:endParaRPr lang="en-US" altLang="zh-CN" sz="1200" dirty="0" smtClean="0"/>
           </a:p>
         </p:txBody>
       </p:sp>

--- a/javabase1Jvm/src/main/java/com/javabase/jvm1runtime/runtimeDetail/2.JVM运行机制.pptx
+++ b/javabase1Jvm/src/main/java/com/javabase/jvm1runtime/runtimeDetail/2.JVM运行机制.pptx
@@ -9714,7 +9714,7 @@
         <p:spPr>
           <a:xfrm>
             <a:off x="6678414" y="4480708"/>
-            <a:ext cx="4392488" cy="1477328"/>
+            <a:ext cx="4392488" cy="1476375"/>
           </a:xfrm>
           <a:prstGeom prst="rect">
             <a:avLst/>
@@ -9760,9 +9760,13 @@
             </a:r>
             <a:r>
               <a:rPr lang="zh-CN" altLang="en-US" dirty="0" smtClean="0"/>
-              <a:t>关键字</a:t>
-            </a:r>
-            <a:endParaRPr lang="zh-CN" altLang="en-US" dirty="0"/>
+              <a:t>关键字 </a:t>
+            </a:r>
+            <a:r>
+              <a:rPr lang="en-US" altLang="zh-CN" dirty="0" smtClean="0"/>
+              <a:t>final sy</a:t>
+            </a:r>
+            <a:endParaRPr lang="en-US" altLang="zh-CN" dirty="0" smtClean="0"/>
           </a:p>
         </p:txBody>
       </p:sp>
@@ -10974,7 +10978,19 @@
             </a:r>
             <a:r>
               <a:rPr lang="en-US" altLang="zh-CN" dirty="0" smtClean="0"/>
-              <a:t>JVM.dll</a:t>
+              <a:t>JVM.dll(</a:t>
+            </a:r>
+            <a:r>
+              <a:rPr lang="zh-CN" altLang="en-US" dirty="0" smtClean="0"/>
+              <a:t>根据</a:t>
+            </a:r>
+            <a:r>
+              <a:rPr lang="zh-CN" altLang="en-US" dirty="0" smtClean="0"/>
+              <a:t>版本</a:t>
+            </a:r>
+            <a:r>
+              <a:rPr lang="en-US" altLang="zh-CN" dirty="0" smtClean="0"/>
+              <a:t>)</a:t>
             </a:r>
             <a:endParaRPr lang="en-US" altLang="zh-CN" dirty="0" smtClean="0"/>
           </a:p>
@@ -13207,6 +13223,18 @@
             </a:r>
             <a:r>
               <a:rPr lang="zh-CN" altLang="en-US" dirty="0" smtClean="0"/>
+              <a:t>）（先将一段字节码编译成机器码，执行的时候就不用再编译了，不是指编译</a:t>
+            </a:r>
+            <a:r>
+              <a:rPr lang="en-US" altLang="zh-CN" dirty="0" smtClean="0"/>
+              <a:t>class</a:t>
+            </a:r>
+            <a:r>
+              <a:rPr lang="zh-CN" altLang="en-US" dirty="0" smtClean="0"/>
+              <a:t>文件的编译</a:t>
+            </a:r>
+            <a:r>
+              <a:rPr lang="zh-CN" altLang="en-US" dirty="0" smtClean="0"/>
               <a:t>）</a:t>
             </a:r>
             <a:endParaRPr lang="en-US" altLang="zh-CN" dirty="0" smtClean="0"/>
@@ -13251,9 +13279,17 @@
             </a:r>
             <a:r>
               <a:rPr lang="zh-CN" altLang="en-US" dirty="0" smtClean="0"/>
-              <a:t>后性能有数量级的提升</a:t>
-            </a:r>
-            <a:endParaRPr lang="zh-CN" altLang="en-US" dirty="0"/>
+              <a:t>后性能有数量级的提升 </a:t>
+            </a:r>
+            <a:r>
+              <a:rPr lang="en-US" altLang="zh-CN" dirty="0" smtClean="0"/>
+              <a:t>10</a:t>
+            </a:r>
+            <a:r>
+              <a:rPr lang="zh-CN" altLang="en-US" dirty="0" smtClean="0"/>
+              <a:t>倍以上</a:t>
+            </a:r>
+            <a:endParaRPr lang="zh-CN" altLang="en-US" dirty="0" smtClean="0"/>
           </a:p>
         </p:txBody>
       </p:sp>
